--- a/Output/fig1_edlocalsonly/fig1_edlocalsonly.pptx
+++ b/Output/fig1_edlocalsonly/fig1_edlocalsonly.pptx
@@ -3425,88 +3425,12 @@
           <a:chExt cx="0" cy="0"/>
         </a:xfrm>
       </p:grpSpPr>
-      <p:sp>
-        <p:nvSpPr>
-          <p:cNvPr id="216" name="TextBox 215">
+      <p:pic>
+        <p:nvPicPr>
+          <p:cNvPr id="3" name="Picture 2">
             <a:extLst>
               <a:ext uri="{FF2B5EF4-FFF2-40B4-BE49-F238E27FC236}">
-                <a16:creationId xmlns:a16="http://schemas.microsoft.com/office/drawing/2014/main" id="{2FDDC0FC-7E5C-FC5D-8D25-B1EF148CFF64}"/>
-              </a:ext>
-            </a:extLst>
-          </p:cNvPr>
-          <p:cNvSpPr txBox="1"/>
-          <p:nvPr/>
-        </p:nvSpPr>
-        <p:spPr>
-          <a:xfrm>
-            <a:off x="1161383" y="632516"/>
-            <a:ext cx="389830" cy="261610"/>
-          </a:xfrm>
-          <a:prstGeom prst="rect">
-            <a:avLst/>
-          </a:prstGeom>
-          <a:noFill/>
-        </p:spPr>
-        <p:txBody>
-          <a:bodyPr wrap="square" rtlCol="0">
-            <a:spAutoFit/>
-          </a:bodyPr>
-          <a:lstStyle/>
-          <a:p>
-            <a:r>
-              <a:rPr lang="en-US" sz="1100" dirty="0">
-                <a:latin typeface="Arial" panose="020B0604020202020204" pitchFamily="34" charset="0"/>
-                <a:cs typeface="Arial" panose="020B0604020202020204" pitchFamily="34" charset="0"/>
-              </a:rPr>
-              <a:t>A.</a:t>
-            </a:r>
-          </a:p>
-        </p:txBody>
-      </p:sp>
-      <p:sp>
-        <p:nvSpPr>
-          <p:cNvPr id="217" name="TextBox 216">
-            <a:extLst>
-              <a:ext uri="{FF2B5EF4-FFF2-40B4-BE49-F238E27FC236}">
-                <a16:creationId xmlns:a16="http://schemas.microsoft.com/office/drawing/2014/main" id="{C54C5D3C-47DD-2A5B-B07E-9460412F9247}"/>
-              </a:ext>
-            </a:extLst>
-          </p:cNvPr>
-          <p:cNvSpPr txBox="1"/>
-          <p:nvPr/>
-        </p:nvSpPr>
-        <p:spPr>
-          <a:xfrm>
-            <a:off x="4607306" y="621280"/>
-            <a:ext cx="389830" cy="261610"/>
-          </a:xfrm>
-          <a:prstGeom prst="rect">
-            <a:avLst/>
-          </a:prstGeom>
-          <a:noFill/>
-        </p:spPr>
-        <p:txBody>
-          <a:bodyPr wrap="square" rtlCol="0">
-            <a:spAutoFit/>
-          </a:bodyPr>
-          <a:lstStyle/>
-          <a:p>
-            <a:r>
-              <a:rPr lang="en-US" sz="1100" dirty="0">
-                <a:latin typeface="Arial" panose="020B0604020202020204" pitchFamily="34" charset="0"/>
-                <a:cs typeface="Arial" panose="020B0604020202020204" pitchFamily="34" charset="0"/>
-              </a:rPr>
-              <a:t>B.</a:t>
-            </a:r>
-          </a:p>
-        </p:txBody>
-      </p:sp>
-      <p:pic>
-        <p:nvPicPr>
-          <p:cNvPr id="218" name="Picture 217">
-            <a:extLst>
-              <a:ext uri="{FF2B5EF4-FFF2-40B4-BE49-F238E27FC236}">
-                <a16:creationId xmlns:a16="http://schemas.microsoft.com/office/drawing/2014/main" id="{1A8AE910-67B7-0570-BB03-7E39E048AF96}"/>
+                <a16:creationId xmlns:a16="http://schemas.microsoft.com/office/drawing/2014/main" id="{8CCD84B8-9807-1D0A-C8FB-9ECF56BB559F}"/>
               </a:ext>
             </a:extLst>
           </p:cNvPr>
@@ -3517,13 +3441,13 @@
         </p:nvPicPr>
         <p:blipFill>
           <a:blip r:embed="rId3"/>
-          <a:srcRect t="14798" r="5067" b="3157"/>
+          <a:srcRect t="12792" r="4943" b="2773"/>
           <a:stretch/>
         </p:blipFill>
         <p:spPr>
           <a:xfrm>
-            <a:off x="159717" y="421061"/>
-            <a:ext cx="3355305" cy="2899779"/>
+            <a:off x="103957" y="254196"/>
+            <a:ext cx="3503403" cy="3111893"/>
           </a:xfrm>
           <a:prstGeom prst="rect">
             <a:avLst/>
@@ -3532,10 +3456,10 @@
       </p:pic>
       <p:pic>
         <p:nvPicPr>
-          <p:cNvPr id="219" name="Picture 218">
+          <p:cNvPr id="5" name="Picture 4">
             <a:extLst>
               <a:ext uri="{FF2B5EF4-FFF2-40B4-BE49-F238E27FC236}">
-                <a16:creationId xmlns:a16="http://schemas.microsoft.com/office/drawing/2014/main" id="{5C8E52DB-9548-436E-3972-F01BBB0F0C55}"/>
+                <a16:creationId xmlns:a16="http://schemas.microsoft.com/office/drawing/2014/main" id="{A0F39228-CCDE-74FB-0310-5E4D2CFF13D6}"/>
               </a:ext>
             </a:extLst>
           </p:cNvPr>
@@ -3546,13 +3470,13 @@
         </p:nvPicPr>
         <p:blipFill>
           <a:blip r:embed="rId4"/>
-          <a:srcRect t="14798" r="5067" b="3157"/>
+          <a:srcRect t="12472" r="4943" b="3095"/>
           <a:stretch/>
         </p:blipFill>
         <p:spPr>
           <a:xfrm>
-            <a:off x="3766327" y="421061"/>
-            <a:ext cx="3355305" cy="2899779"/>
+            <a:off x="3733626" y="254196"/>
+            <a:ext cx="3503403" cy="3111813"/>
           </a:xfrm>
           <a:prstGeom prst="rect">
             <a:avLst/>
@@ -3561,10 +3485,10 @@
       </p:pic>
       <p:pic>
         <p:nvPicPr>
-          <p:cNvPr id="220" name="Picture 219">
+          <p:cNvPr id="7" name="Picture 6">
             <a:extLst>
               <a:ext uri="{FF2B5EF4-FFF2-40B4-BE49-F238E27FC236}">
-                <a16:creationId xmlns:a16="http://schemas.microsoft.com/office/drawing/2014/main" id="{E9B784B5-4EAC-808B-765F-FCC8FAFA7C84}"/>
+                <a16:creationId xmlns:a16="http://schemas.microsoft.com/office/drawing/2014/main" id="{4EBD9594-DC5E-F5F6-7E0F-831259349EA9}"/>
               </a:ext>
             </a:extLst>
           </p:cNvPr>
@@ -3575,13 +3499,13 @@
         </p:nvPicPr>
         <p:blipFill>
           <a:blip r:embed="rId5"/>
-          <a:srcRect t="14798" r="5067" b="3157"/>
+          <a:srcRect t="12547" r="4943" b="3095"/>
           <a:stretch/>
         </p:blipFill>
         <p:spPr>
           <a:xfrm>
-            <a:off x="159717" y="3626399"/>
-            <a:ext cx="3355305" cy="2899780"/>
+            <a:off x="103957" y="3518326"/>
+            <a:ext cx="3503404" cy="3109122"/>
           </a:xfrm>
           <a:prstGeom prst="rect">
             <a:avLst/>
@@ -3590,10 +3514,10 @@
       </p:pic>
       <p:pic>
         <p:nvPicPr>
-          <p:cNvPr id="221" name="Picture 220">
+          <p:cNvPr id="9" name="Picture 8">
             <a:extLst>
               <a:ext uri="{FF2B5EF4-FFF2-40B4-BE49-F238E27FC236}">
-                <a16:creationId xmlns:a16="http://schemas.microsoft.com/office/drawing/2014/main" id="{D87E7CFD-99A5-1B9A-93AD-40E6F466C2B8}"/>
+                <a16:creationId xmlns:a16="http://schemas.microsoft.com/office/drawing/2014/main" id="{6CBD8CF3-7E9B-F07B-A5DB-9EE0E160BEA8}"/>
               </a:ext>
             </a:extLst>
           </p:cNvPr>
@@ -3604,100 +3528,13 @@
         </p:nvPicPr>
         <p:blipFill>
           <a:blip r:embed="rId6"/>
-          <a:srcRect t="14798" r="5067" b="3157"/>
+          <a:srcRect t="12867" r="4943" b="3096"/>
           <a:stretch/>
         </p:blipFill>
         <p:spPr>
           <a:xfrm>
-            <a:off x="3766327" y="3626399"/>
-            <a:ext cx="3355305" cy="2899780"/>
-          </a:xfrm>
-          <a:prstGeom prst="rect">
-            <a:avLst/>
-          </a:prstGeom>
-        </p:spPr>
-      </p:pic>
-      <p:pic>
-        <p:nvPicPr>
-          <p:cNvPr id="222" name="Picture 221">
-            <a:extLst>
-              <a:ext uri="{FF2B5EF4-FFF2-40B4-BE49-F238E27FC236}">
-                <a16:creationId xmlns:a16="http://schemas.microsoft.com/office/drawing/2014/main" id="{27D9CB61-6E25-CC1E-62B8-891FA96FF7EA}"/>
-              </a:ext>
-            </a:extLst>
-          </p:cNvPr>
-          <p:cNvPicPr>
-            <a:picLocks noChangeAspect="1"/>
-          </p:cNvPicPr>
-          <p:nvPr/>
-        </p:nvPicPr>
-        <p:blipFill>
-          <a:blip r:embed="rId7"/>
-          <a:srcRect l="-1" t="14798" r="92599" b="3157"/>
-          <a:stretch/>
-        </p:blipFill>
-        <p:spPr>
-          <a:xfrm>
-            <a:off x="159717" y="3626399"/>
-            <a:ext cx="261611" cy="2899780"/>
-          </a:xfrm>
-          <a:prstGeom prst="rect">
-            <a:avLst/>
-          </a:prstGeom>
-        </p:spPr>
-      </p:pic>
-      <p:pic>
-        <p:nvPicPr>
-          <p:cNvPr id="223" name="Picture 222">
-            <a:extLst>
-              <a:ext uri="{FF2B5EF4-FFF2-40B4-BE49-F238E27FC236}">
-                <a16:creationId xmlns:a16="http://schemas.microsoft.com/office/drawing/2014/main" id="{DC06E381-1856-2FB0-303C-64D7F68A1439}"/>
-              </a:ext>
-            </a:extLst>
-          </p:cNvPr>
-          <p:cNvPicPr>
-            <a:picLocks noChangeAspect="1"/>
-          </p:cNvPicPr>
-          <p:nvPr/>
-        </p:nvPicPr>
-        <p:blipFill>
-          <a:blip r:embed="rId8"/>
-          <a:srcRect l="-1" t="14798" r="92599" b="3157"/>
-          <a:stretch/>
-        </p:blipFill>
-        <p:spPr>
-          <a:xfrm>
-            <a:off x="159717" y="421061"/>
-            <a:ext cx="261611" cy="2899780"/>
-          </a:xfrm>
-          <a:prstGeom prst="rect">
-            <a:avLst/>
-          </a:prstGeom>
-        </p:spPr>
-      </p:pic>
-      <p:pic>
-        <p:nvPicPr>
-          <p:cNvPr id="224" name="Picture 223">
-            <a:extLst>
-              <a:ext uri="{FF2B5EF4-FFF2-40B4-BE49-F238E27FC236}">
-                <a16:creationId xmlns:a16="http://schemas.microsoft.com/office/drawing/2014/main" id="{B81B7482-D4FE-353C-A29C-80860891ABAF}"/>
-              </a:ext>
-            </a:extLst>
-          </p:cNvPr>
-          <p:cNvPicPr>
-            <a:picLocks noChangeAspect="1"/>
-          </p:cNvPicPr>
-          <p:nvPr/>
-        </p:nvPicPr>
-        <p:blipFill>
-          <a:blip r:embed="rId9"/>
-          <a:srcRect l="-1" t="14798" r="92599" b="3157"/>
-          <a:stretch/>
-        </p:blipFill>
-        <p:spPr>
-          <a:xfrm>
-            <a:off x="3766327" y="421061"/>
-            <a:ext cx="261611" cy="2899780"/>
+            <a:off x="3733626" y="3518326"/>
+            <a:ext cx="3503403" cy="3097254"/>
           </a:xfrm>
           <a:prstGeom prst="rect">
             <a:avLst/>
@@ -3718,7 +3555,7 @@
         </p:nvSpPr>
         <p:spPr>
           <a:xfrm>
-            <a:off x="3718064" y="133712"/>
+            <a:off x="3718064" y="59281"/>
             <a:ext cx="3355304" cy="261610"/>
           </a:xfrm>
           <a:prstGeom prst="rect">
@@ -3756,7 +3593,7 @@
         </p:nvSpPr>
         <p:spPr>
           <a:xfrm>
-            <a:off x="78170" y="3402508"/>
+            <a:off x="78170" y="3328077"/>
             <a:ext cx="3415283" cy="261610"/>
           </a:xfrm>
           <a:prstGeom prst="rect">
@@ -3794,7 +3631,7 @@
         </p:nvSpPr>
         <p:spPr>
           <a:xfrm>
-            <a:off x="78171" y="131147"/>
+            <a:off x="78171" y="56716"/>
             <a:ext cx="3192874" cy="261610"/>
           </a:xfrm>
           <a:prstGeom prst="rect">
@@ -3832,7 +3669,7 @@
         </p:nvSpPr>
         <p:spPr>
           <a:xfrm>
-            <a:off x="3718064" y="3401638"/>
+            <a:off x="3718064" y="3327207"/>
             <a:ext cx="3542118" cy="261610"/>
           </a:xfrm>
           <a:prstGeom prst="rect">
@@ -3870,7 +3707,7 @@
         </p:nvGrpSpPr>
         <p:grpSpPr>
           <a:xfrm>
-            <a:off x="2495530" y="2088725"/>
+            <a:off x="2644388" y="632056"/>
             <a:ext cx="1124275" cy="497436"/>
             <a:chOff x="5902491" y="7231561"/>
             <a:chExt cx="1124275" cy="497436"/>
@@ -4113,7 +3950,7 @@
         </p:nvGrpSpPr>
         <p:grpSpPr>
           <a:xfrm>
-            <a:off x="4469011" y="3740905"/>
+            <a:off x="4500910" y="3751538"/>
             <a:ext cx="2181053" cy="902539"/>
             <a:chOff x="7918860" y="6103447"/>
             <a:chExt cx="2181053" cy="902539"/>
@@ -4467,7 +4304,7 @@
         </p:nvGrpSpPr>
         <p:grpSpPr>
           <a:xfrm>
-            <a:off x="6116709" y="2088725"/>
+            <a:off x="6265567" y="632056"/>
             <a:ext cx="1124275" cy="497436"/>
             <a:chOff x="5902491" y="7231561"/>
             <a:chExt cx="1124275" cy="497436"/>
@@ -4710,7 +4547,7 @@
         </p:nvGrpSpPr>
         <p:grpSpPr>
           <a:xfrm>
-            <a:off x="2495530" y="5273040"/>
+            <a:off x="2644388" y="3901433"/>
             <a:ext cx="1124275" cy="497436"/>
             <a:chOff x="5902491" y="7231561"/>
             <a:chExt cx="1124275" cy="497436"/>
